--- a/Rutgers Mixology overview.pptx
+++ b/Rutgers Mixology overview.pptx
@@ -5993,7 +5993,31 @@
             </a:pPr>
             <a:r>
               <a:rPr lang="en-US" dirty="0"/>
-              <a:t>APIs: Cocktail DB, google maps</a:t>
+              <a:t>APIs: Cocktail DB</a:t>
+            </a:r>
+            <a:r>
+              <a:rPr lang="en-US"/>
+              <a:t>, </a:t>
+            </a:r>
+            <a:r>
+              <a:rPr lang="en-US" smtClean="0"/>
+              <a:t>geoLocation</a:t>
+            </a:r>
+            <a:r>
+              <a:rPr lang="en-US" dirty="0"/>
+              <a:t>, </a:t>
+            </a:r>
+            <a:r>
+              <a:rPr lang="en-US" dirty="0" err="1"/>
+              <a:t>geoCoding</a:t>
+            </a:r>
+            <a:r>
+              <a:rPr lang="en-US" dirty="0" smtClean="0"/>
+              <a:t>, google </a:t>
+            </a:r>
+            <a:r>
+              <a:rPr lang="en-US" dirty="0"/>
+              <a:t>maps</a:t>
             </a:r>
           </a:p>
           <a:p>

--- a/Rutgers Mixology overview.pptx
+++ b/Rutgers Mixology overview.pptx
@@ -5843,7 +5843,7 @@
         </p:spPr>
         <p:txBody>
           <a:bodyPr>
-            <a:normAutofit fontScale="92500"/>
+            <a:normAutofit fontScale="92500" lnSpcReduction="10000"/>
           </a:bodyPr>
           <a:lstStyle/>
           <a:p>
@@ -5966,8 +5966,12 @@
               <a:buChar char="•"/>
             </a:pPr>
             <a:r>
+              <a:rPr lang="en-US" b="1" dirty="0"/>
+              <a:t>UI: </a:t>
+            </a:r>
+            <a:r>
               <a:rPr lang="en-US" dirty="0"/>
-              <a:t>UI: HTML, CSS, </a:t>
+              <a:t>HTML, CSS, </a:t>
             </a:r>
             <a:r>
               <a:rPr lang="en-US" dirty="0" smtClean="0"/>
@@ -5983,7 +5987,11 @@
             </a:r>
             <a:r>
               <a:rPr lang="en-US" dirty="0"/>
-              <a:t>, pretty-checkbox.min.css</a:t>
+              <a:t>, </a:t>
+            </a:r>
+            <a:r>
+              <a:rPr lang="en-US" dirty="0" smtClean="0"/>
+              <a:t>pretty-checkbox.min.css</a:t>
             </a:r>
           </a:p>
           <a:p>
@@ -5992,15 +6000,38 @@
               <a:buChar char="•"/>
             </a:pPr>
             <a:r>
+              <a:rPr lang="en-US" b="1" dirty="0" smtClean="0"/>
+              <a:t>Coding</a:t>
+            </a:r>
+            <a:r>
+              <a:rPr lang="en-US" dirty="0" smtClean="0"/>
+              <a:t>: </a:t>
+            </a:r>
+            <a:r>
               <a:rPr lang="en-US" dirty="0"/>
-              <a:t>APIs: Cocktail DB</a:t>
-            </a:r>
-            <a:r>
-              <a:rPr lang="en-US"/>
-              <a:t>, </a:t>
-            </a:r>
-            <a:r>
-              <a:rPr lang="en-US" smtClean="0"/>
+              <a:t>JavaScript. </a:t>
+            </a:r>
+            <a:r>
+              <a:rPr lang="en-US" dirty="0" smtClean="0"/>
+              <a:t>JQuery</a:t>
+            </a:r>
+            <a:endParaRPr lang="en-US" dirty="0"/>
+          </a:p>
+          <a:p>
+            <a:pPr marL="285750" indent="-285750" algn="l">
+              <a:buFont typeface="Arial" panose="020B0604020202020204" pitchFamily="34" charset="0"/>
+              <a:buChar char="•"/>
+            </a:pPr>
+            <a:r>
+              <a:rPr lang="en-US" b="1" dirty="0"/>
+              <a:t>APIs</a:t>
+            </a:r>
+            <a:r>
+              <a:rPr lang="en-US" dirty="0"/>
+              <a:t>: Cocktail DB, </a:t>
+            </a:r>
+            <a:r>
+              <a:rPr lang="en-US" dirty="0" err="1" smtClean="0"/>
               <a:t>geoLocation</a:t>
             </a:r>
             <a:r>

--- a/Rutgers Mixology overview.pptx
+++ b/Rutgers Mixology overview.pptx
@@ -6,6 +6,7 @@
   </p:sldMasterIdLst>
   <p:sldIdLst>
     <p:sldId id="256" r:id="rId2"/>
+    <p:sldId id="257" r:id="rId3"/>
   </p:sldIdLst>
   <p:sldSz cx="12192000" cy="6858000"/>
   <p:notesSz cx="6858000" cy="9144000"/>
@@ -110,9 +111,13 @@
         <p14:section name="Untitled Section" id="{ECC0DD8F-F973-44F9-9DB8-064C19EF73AD}">
           <p14:sldIdLst>
             <p14:sldId id="256"/>
+            <p14:sldId id="257"/>
           </p14:sldIdLst>
         </p14:section>
       </p14:sectionLst>
+    </p:ext>
+    <p:ext uri="{EFAFB233-063F-42B5-8137-9DF3F51BA10A}">
+      <p15:sldGuideLst xmlns:p15="http://schemas.microsoft.com/office/powerpoint/2012/main"/>
     </p:ext>
   </p:extLst>
 </p:presentation>
@@ -841,7 +846,7 @@
             <a:fld id="{B61BEF0D-F0BB-DE4B-95CE-6DB70DBA9567}" type="datetimeFigureOut">
               <a:rPr lang="en-US" dirty="0"/>
               <a:pPr/>
-              <a:t>3/26/2018</a:t>
+              <a:t>3/27/2018</a:t>
             </a:fld>
             <a:endParaRPr lang="en-US" dirty="0"/>
           </a:p>
@@ -1089,7 +1094,7 @@
             <a:fld id="{B61BEF0D-F0BB-DE4B-95CE-6DB70DBA9567}" type="datetimeFigureOut">
               <a:rPr lang="en-US" dirty="0"/>
               <a:pPr/>
-              <a:t>3/26/2018</a:t>
+              <a:t>3/27/2018</a:t>
             </a:fld>
             <a:endParaRPr lang="en-US" dirty="0"/>
           </a:p>
@@ -1400,7 +1405,7 @@
             <a:fld id="{B61BEF0D-F0BB-DE4B-95CE-6DB70DBA9567}" type="datetimeFigureOut">
               <a:rPr lang="en-US" dirty="0"/>
               <a:pPr/>
-              <a:t>3/26/2018</a:t>
+              <a:t>3/27/2018</a:t>
             </a:fld>
             <a:endParaRPr lang="en-US" dirty="0"/>
           </a:p>
@@ -1738,7 +1743,7 @@
             <a:fld id="{B61BEF0D-F0BB-DE4B-95CE-6DB70DBA9567}" type="datetimeFigureOut">
               <a:rPr lang="en-US" dirty="0"/>
               <a:pPr/>
-              <a:t>3/26/2018</a:t>
+              <a:t>3/27/2018</a:t>
             </a:fld>
             <a:endParaRPr lang="en-US" dirty="0"/>
           </a:p>
@@ -2049,7 +2054,7 @@
             <a:fld id="{B61BEF0D-F0BB-DE4B-95CE-6DB70DBA9567}" type="datetimeFigureOut">
               <a:rPr lang="en-US" dirty="0"/>
               <a:pPr/>
-              <a:t>3/26/2018</a:t>
+              <a:t>3/27/2018</a:t>
             </a:fld>
             <a:endParaRPr lang="en-US" dirty="0"/>
           </a:p>
@@ -2439,7 +2444,7 @@
             <a:fld id="{B61BEF0D-F0BB-DE4B-95CE-6DB70DBA9567}" type="datetimeFigureOut">
               <a:rPr lang="en-US" dirty="0"/>
               <a:pPr/>
-              <a:t>3/26/2018</a:t>
+              <a:t>3/27/2018</a:t>
             </a:fld>
             <a:endParaRPr lang="en-US" dirty="0"/>
           </a:p>
@@ -2605,7 +2610,7 @@
           <a:p>
             <a:fld id="{55C6B4A9-1611-4792-9094-5F34BCA07E0B}" type="datetimeFigureOut">
               <a:rPr lang="en-US" dirty="0"/>
-              <a:t>3/26/2018</a:t>
+              <a:t>3/27/2018</a:t>
             </a:fld>
             <a:endParaRPr lang="en-US" dirty="0"/>
           </a:p>
@@ -2781,7 +2786,7 @@
             <a:fld id="{B61BEF0D-F0BB-DE4B-95CE-6DB70DBA9567}" type="datetimeFigureOut">
               <a:rPr lang="en-US" dirty="0"/>
               <a:pPr/>
-              <a:t>3/26/2018</a:t>
+              <a:t>3/27/2018</a:t>
             </a:fld>
             <a:endParaRPr lang="en-US" dirty="0"/>
           </a:p>
@@ -2954,7 +2959,7 @@
             <a:fld id="{B61BEF0D-F0BB-DE4B-95CE-6DB70DBA9567}" type="datetimeFigureOut">
               <a:rPr lang="en-US" dirty="0"/>
               <a:pPr/>
-              <a:t>3/26/2018</a:t>
+              <a:t>3/27/2018</a:t>
             </a:fld>
             <a:endParaRPr lang="en-US" dirty="0"/>
           </a:p>
@@ -3198,7 +3203,7 @@
             <a:fld id="{B61BEF0D-F0BB-DE4B-95CE-6DB70DBA9567}" type="datetimeFigureOut">
               <a:rPr lang="en-US" dirty="0"/>
               <a:pPr/>
-              <a:t>3/26/2018</a:t>
+              <a:t>3/27/2018</a:t>
             </a:fld>
             <a:endParaRPr lang="en-US" dirty="0"/>
           </a:p>
@@ -3426,7 +3431,7 @@
           <a:p>
             <a:fld id="{EB712588-04B1-427B-82EE-E8DB90309F08}" type="datetimeFigureOut">
               <a:rPr lang="en-US" dirty="0"/>
-              <a:t>3/26/2018</a:t>
+              <a:t>3/27/2018</a:t>
             </a:fld>
             <a:endParaRPr lang="en-US" dirty="0"/>
           </a:p>
@@ -3796,7 +3801,7 @@
             <a:fld id="{B61BEF0D-F0BB-DE4B-95CE-6DB70DBA9567}" type="datetimeFigureOut">
               <a:rPr lang="en-US" dirty="0"/>
               <a:pPr/>
-              <a:t>3/26/2018</a:t>
+              <a:t>3/27/2018</a:t>
             </a:fld>
             <a:endParaRPr lang="en-US" dirty="0"/>
           </a:p>
@@ -3916,7 +3921,7 @@
             <a:fld id="{B61BEF0D-F0BB-DE4B-95CE-6DB70DBA9567}" type="datetimeFigureOut">
               <a:rPr lang="en-US" dirty="0"/>
               <a:pPr/>
-              <a:t>3/26/2018</a:t>
+              <a:t>3/27/2018</a:t>
             </a:fld>
             <a:endParaRPr lang="en-US" dirty="0"/>
           </a:p>
@@ -4008,7 +4013,7 @@
             <a:fld id="{B61BEF0D-F0BB-DE4B-95CE-6DB70DBA9567}" type="datetimeFigureOut">
               <a:rPr lang="en-US" dirty="0"/>
               <a:pPr/>
-              <a:t>3/26/2018</a:t>
+              <a:t>3/27/2018</a:t>
             </a:fld>
             <a:endParaRPr lang="en-US" dirty="0"/>
           </a:p>
@@ -4259,7 +4264,7 @@
           <a:p>
             <a:fld id="{42A54C80-263E-416B-A8E0-580EDEADCBDC}" type="datetimeFigureOut">
               <a:rPr lang="en-US" dirty="0"/>
-              <a:t>3/26/2018</a:t>
+              <a:t>3/27/2018</a:t>
             </a:fld>
             <a:endParaRPr lang="en-US" dirty="0"/>
           </a:p>
@@ -4518,7 +4523,7 @@
             <a:fld id="{B61BEF0D-F0BB-DE4B-95CE-6DB70DBA9567}" type="datetimeFigureOut">
               <a:rPr lang="en-US" dirty="0"/>
               <a:pPr/>
-              <a:t>3/26/2018</a:t>
+              <a:t>3/27/2018</a:t>
             </a:fld>
             <a:endParaRPr lang="en-US" dirty="0"/>
           </a:p>
@@ -5258,7 +5263,7 @@
             <a:fld id="{B61BEF0D-F0BB-DE4B-95CE-6DB70DBA9567}" type="datetimeFigureOut">
               <a:rPr lang="en-US" dirty="0"/>
               <a:pPr/>
-              <a:t>3/26/2018</a:t>
+              <a:t>3/27/2018</a:t>
             </a:fld>
             <a:endParaRPr lang="en-US" dirty="0"/>
           </a:p>
@@ -5970,8 +5975,8 @@
               <a:t>UI: </a:t>
             </a:r>
             <a:r>
-              <a:rPr lang="en-US" dirty="0"/>
-              <a:t>HTML, CSS, </a:t>
+              <a:rPr lang="en-US" dirty="0" smtClean="0"/>
+              <a:t>HTML 5, CSS 3, </a:t>
             </a:r>
             <a:r>
               <a:rPr lang="en-US" dirty="0" smtClean="0"/>
@@ -5991,8 +5996,9 @@
             </a:r>
             <a:r>
               <a:rPr lang="en-US" dirty="0" smtClean="0"/>
-              <a:t>pretty-checkbox.min.css</a:t>
-            </a:r>
+              <a:t>pretty-checkbox.min.css, font pair</a:t>
+            </a:r>
+            <a:endParaRPr lang="en-US" dirty="0" smtClean="0"/>
           </a:p>
           <a:p>
             <a:pPr marL="285750" indent="-285750" algn="l">
@@ -6031,16 +6037,16 @@
               <a:t>: Cocktail DB, </a:t>
             </a:r>
             <a:r>
-              <a:rPr lang="en-US" dirty="0" err="1" smtClean="0"/>
-              <a:t>geoLocation</a:t>
+              <a:rPr lang="en-US" dirty="0" smtClean="0"/>
+              <a:t>geo-Location</a:t>
             </a:r>
             <a:r>
               <a:rPr lang="en-US" dirty="0"/>
               <a:t>, </a:t>
             </a:r>
             <a:r>
-              <a:rPr lang="en-US" dirty="0" err="1"/>
-              <a:t>geoCoding</a:t>
+              <a:rPr lang="en-US" dirty="0" smtClean="0"/>
+              <a:t>geo-Coding</a:t>
             </a:r>
             <a:r>
               <a:rPr lang="en-US" dirty="0" smtClean="0"/>
@@ -6077,6 +6083,126 @@
   <p:clrMapOvr>
     <a:masterClrMapping/>
   </p:clrMapOvr>
+  <p:timing>
+    <p:tnLst>
+      <p:par>
+        <p:cTn id="1" dur="indefinite" restart="never" nodeType="tmRoot"/>
+      </p:par>
+    </p:tnLst>
+  </p:timing>
+</p:sld>
+</file>
+
+<file path=ppt/slides/slide2.xml><?xml version="1.0" encoding="utf-8"?>
+<p:sld xmlns:a="http://schemas.openxmlformats.org/drawingml/2006/main" xmlns:r="http://schemas.openxmlformats.org/officeDocument/2006/relationships" xmlns:p="http://schemas.openxmlformats.org/presentationml/2006/main">
+  <p:cSld>
+    <p:spTree>
+      <p:nvGrpSpPr>
+        <p:cNvPr id="1" name=""/>
+        <p:cNvGrpSpPr/>
+        <p:nvPr/>
+      </p:nvGrpSpPr>
+      <p:grpSpPr>
+        <a:xfrm>
+          <a:off x="0" y="0"/>
+          <a:ext cx="0" cy="0"/>
+          <a:chOff x="0" y="0"/>
+          <a:chExt cx="0" cy="0"/>
+        </a:xfrm>
+      </p:grpSpPr>
+      <p:sp>
+        <p:nvSpPr>
+          <p:cNvPr id="2" name="Title 1"/>
+          <p:cNvSpPr>
+            <a:spLocks noGrp="1"/>
+          </p:cNvSpPr>
+          <p:nvPr>
+            <p:ph type="title"/>
+          </p:nvPr>
+        </p:nvSpPr>
+        <p:spPr>
+          <a:xfrm>
+            <a:off x="677334" y="609600"/>
+            <a:ext cx="8596668" cy="675503"/>
+          </a:xfrm>
+        </p:spPr>
+        <p:txBody>
+          <a:bodyPr/>
+          <a:lstStyle/>
+          <a:p>
+            <a:r>
+              <a:rPr lang="en-US" dirty="0" smtClean="0"/>
+              <a:t>To the Demo</a:t>
+            </a:r>
+            <a:endParaRPr lang="en-US" dirty="0"/>
+          </a:p>
+        </p:txBody>
+      </p:sp>
+      <p:sp>
+        <p:nvSpPr>
+          <p:cNvPr id="3" name="Content Placeholder 2"/>
+          <p:cNvSpPr>
+            <a:spLocks noGrp="1"/>
+          </p:cNvSpPr>
+          <p:nvPr>
+            <p:ph idx="1"/>
+          </p:nvPr>
+        </p:nvSpPr>
+        <p:spPr>
+          <a:xfrm>
+            <a:off x="677334" y="1285103"/>
+            <a:ext cx="8596668" cy="4756259"/>
+          </a:xfrm>
+        </p:spPr>
+        <p:txBody>
+          <a:bodyPr/>
+          <a:lstStyle/>
+          <a:p>
+            <a:endParaRPr lang="en-US" dirty="0"/>
+          </a:p>
+        </p:txBody>
+      </p:sp>
+      <p:pic>
+        <p:nvPicPr>
+          <p:cNvPr id="5" name="Picture 4"/>
+          <p:cNvPicPr>
+            <a:picLocks noChangeAspect="1"/>
+          </p:cNvPicPr>
+          <p:nvPr/>
+        </p:nvPicPr>
+        <p:blipFill>
+          <a:blip r:embed="rId2"/>
+          <a:stretch>
+            <a:fillRect/>
+          </a:stretch>
+        </p:blipFill>
+        <p:spPr>
+          <a:xfrm>
+            <a:off x="677334" y="1285103"/>
+            <a:ext cx="6680242" cy="4953826"/>
+          </a:xfrm>
+          <a:prstGeom prst="rect">
+            <a:avLst/>
+          </a:prstGeom>
+        </p:spPr>
+      </p:pic>
+    </p:spTree>
+    <p:extLst>
+      <p:ext uri="{BB962C8B-B14F-4D97-AF65-F5344CB8AC3E}">
+        <p14:creationId xmlns:p14="http://schemas.microsoft.com/office/powerpoint/2010/main" val="3777048042"/>
+      </p:ext>
+    </p:extLst>
+  </p:cSld>
+  <p:clrMapOvr>
+    <a:masterClrMapping/>
+  </p:clrMapOvr>
+  <p:timing>
+    <p:tnLst>
+      <p:par>
+        <p:cTn id="1" dur="indefinite" restart="never" nodeType="tmRoot"/>
+      </p:par>
+    </p:tnLst>
+  </p:timing>
 </p:sld>
 </file>
 
